--- a/materials/Project Presentation.pptx
+++ b/materials/Project Presentation.pptx
@@ -6,7 +6,7 @@
     <p:sldMasterId id="2147483656" r:id="rId2"/>
   </p:sldMasterIdLst>
   <p:notesMasterIdLst>
-    <p:notesMasterId r:id="rId12"/>
+    <p:notesMasterId r:id="rId13"/>
   </p:notesMasterIdLst>
   <p:sldIdLst>
     <p:sldId id="314" r:id="rId3"/>
@@ -17,7 +17,8 @@
     <p:sldId id="334" r:id="rId8"/>
     <p:sldId id="344" r:id="rId9"/>
     <p:sldId id="328" r:id="rId10"/>
-    <p:sldId id="315" r:id="rId11"/>
+    <p:sldId id="345" r:id="rId11"/>
+    <p:sldId id="315" r:id="rId12"/>
   </p:sldIdLst>
   <p:sldSz cx="9144000" cy="6858000" type="screen4x3"/>
   <p:notesSz cx="6858000" cy="9144000"/>
@@ -7854,11 +7855,7 @@
             <a:pPr eaLnBrk="1" hangingPunct="1"/>
             <a:r>
               <a:rPr lang="en-US" altLang="en-US" sz="2800" dirty="0" smtClean="0"/>
-              <a:t>Machine Learning for </a:t>
-            </a:r>
-            <a:r>
-              <a:rPr lang="en-US" altLang="en-US" sz="2800" dirty="0" smtClean="0"/>
-              <a:t>Java migrations</a:t>
+              <a:t>Machine Learning for Java migrations</a:t>
             </a:r>
             <a:endParaRPr lang="en-US" altLang="zh-CN" sz="2800" dirty="0" smtClean="0"/>
           </a:p>
@@ -7907,6 +7904,38 @@
           </a:p>
         </p:txBody>
       </p:sp>
+    </p:spTree>
+  </p:cSld>
+  <p:clrMapOvr>
+    <a:masterClrMapping/>
+  </p:clrMapOvr>
+  <p:timing>
+    <p:tnLst>
+      <p:par>
+        <p:cTn id="1" dur="indefinite" restart="never" nodeType="tmRoot"/>
+      </p:par>
+    </p:tnLst>
+  </p:timing>
+</p:sld>
+</file>
+
+<file path=ppt/slides/slide10.xml><?xml version="1.0" encoding="utf-8"?>
+<p:sld xmlns:a="http://schemas.openxmlformats.org/drawingml/2006/main" xmlns:r="http://schemas.openxmlformats.org/officeDocument/2006/relationships" xmlns:p="http://schemas.openxmlformats.org/presentationml/2006/main">
+  <p:cSld>
+    <p:spTree>
+      <p:nvGrpSpPr>
+        <p:cNvPr id="1" name=""/>
+        <p:cNvGrpSpPr/>
+        <p:nvPr/>
+      </p:nvGrpSpPr>
+      <p:grpSpPr>
+        <a:xfrm>
+          <a:off x="0" y="0"/>
+          <a:ext cx="0" cy="0"/>
+          <a:chOff x="0" y="0"/>
+          <a:chExt cx="0" cy="0"/>
+        </a:xfrm>
+      </p:grpSpPr>
     </p:spTree>
   </p:cSld>
   <p:clrMapOvr>
@@ -9264,21 +9293,7 @@
                 </a:effectLst>
                 <a:cs typeface="Arial" pitchFamily="34" charset="0"/>
               </a:rPr>
-              <a:t>Machine learning </a:t>
-            </a:r>
-            <a:r>
-              <a:rPr kumimoji="1" lang="en-US" altLang="zh-CN" sz="1600" b="1" dirty="0" smtClean="0">
-                <a:solidFill>
-                  <a:srgbClr val="005C8A"/>
-                </a:solidFill>
-                <a:effectLst>
-                  <a:outerShdw blurRad="38100" dist="38100" dir="2700000" algn="tl">
-                    <a:srgbClr val="C0C0C0"/>
-                  </a:outerShdw>
-                </a:effectLst>
-                <a:cs typeface="Arial" pitchFamily="34" charset="0"/>
-              </a:rPr>
-              <a:t>in API migration</a:t>
+              <a:t>Machine learning in API migration</a:t>
             </a:r>
             <a:endParaRPr kumimoji="1" lang="en-US" altLang="zh-CN" sz="1600" b="1" dirty="0">
               <a:solidFill>
@@ -10985,11 +11000,7 @@
             <a:pPr algn="ctr"/>
             <a:r>
               <a:rPr lang="en-US" altLang="zh-CN" sz="3200" dirty="0" smtClean="0"/>
-              <a:t>Added value </a:t>
-            </a:r>
-            <a:r>
-              <a:rPr lang="en-US" altLang="zh-CN" sz="3200" dirty="0" smtClean="0"/>
-              <a:t>created</a:t>
+              <a:t>Added value created</a:t>
             </a:r>
             <a:endParaRPr lang="zh-CN" altLang="en-US" sz="2000" dirty="0" smtClean="0"/>
           </a:p>
@@ -11414,11 +11425,7 @@
             </a:br>
             <a:r>
               <a:rPr lang="en-US" altLang="zh-CN" sz="3200" dirty="0" smtClean="0"/>
-              <a:t>T</a:t>
-            </a:r>
-            <a:r>
-              <a:rPr lang="en-US" altLang="zh-CN" sz="3200" dirty="0" smtClean="0"/>
-              <a:t>erm-frequency </a:t>
+              <a:t>Term-frequency </a:t>
             </a:r>
             <a:r>
               <a:rPr lang="en-US" altLang="zh-CN" sz="3200" dirty="0"/>
@@ -12772,7 +12779,7 @@
             <a:pPr algn="ctr"/>
             <a:r>
               <a:rPr lang="en-US" altLang="en-US" dirty="0" smtClean="0"/>
-              <a:t>Applied TF IDF in API migration</a:t>
+              <a:t>Cosine similarity</a:t>
             </a:r>
             <a:endParaRPr lang="en-US" altLang="en-US" dirty="0" smtClean="0"/>
           </a:p>
@@ -12787,7 +12794,7 @@
         <p:spPr>
           <a:xfrm>
             <a:off x="381000" y="1066800"/>
-            <a:ext cx="8534400" cy="2585323"/>
+            <a:ext cx="8534400" cy="369332"/>
           </a:xfrm>
           <a:prstGeom prst="rect">
             <a:avLst/>
@@ -12800,141 +12807,12 @@
           </a:bodyPr>
           <a:lstStyle/>
           <a:p>
-            <a:r>
-              <a:rPr lang="en-US" dirty="0"/>
-              <a:t>double </a:t>
-            </a:r>
-            <a:r>
-              <a:rPr lang="en-US" dirty="0" err="1"/>
-              <a:t>SimilarDegree</a:t>
-            </a:r>
-            <a:r>
-              <a:rPr lang="en-US" dirty="0"/>
-              <a:t> </a:t>
-            </a:r>
-            <a:r>
-              <a:rPr lang="en-US" dirty="0" smtClean="0"/>
-              <a:t>=</a:t>
-            </a:r>
-          </a:p>
-          <a:p>
-            <a:endParaRPr lang="en-US" dirty="0" smtClean="0"/>
-          </a:p>
-          <a:p>
-            <a:r>
-              <a:rPr lang="en-US" dirty="0"/>
-              <a:t> </a:t>
-            </a:r>
-            <a:r>
-              <a:rPr lang="en-US" dirty="0" smtClean="0"/>
-              <a:t>             </a:t>
-            </a:r>
-            <a:r>
-              <a:rPr lang="en-US" dirty="0" err="1" smtClean="0"/>
-              <a:t>nlpWebService.getCosineSimilarity</a:t>
-            </a:r>
-            <a:r>
-              <a:rPr lang="en-US" dirty="0" smtClean="0"/>
-              <a:t>(</a:t>
-            </a:r>
-            <a:r>
-              <a:rPr lang="en-US" dirty="0" err="1" smtClean="0">
-                <a:solidFill>
-                  <a:srgbClr val="00B050"/>
-                </a:solidFill>
-              </a:rPr>
-              <a:t>methodFromDocs</a:t>
-            </a:r>
-            <a:r>
-              <a:rPr lang="en-US" dirty="0" err="1" smtClean="0"/>
-              <a:t>.description</a:t>
-            </a:r>
-            <a:r>
-              <a:rPr lang="en-US" dirty="0"/>
-              <a:t>,</a:t>
-            </a:r>
-          </a:p>
-          <a:p>
-            <a:r>
-              <a:rPr lang="en-US" dirty="0"/>
-              <a:t>				</a:t>
-            </a:r>
-            <a:r>
-              <a:rPr lang="en-US" dirty="0" smtClean="0"/>
-              <a:t>              </a:t>
-            </a:r>
-            <a:r>
-              <a:rPr lang="en-US" dirty="0" err="1" smtClean="0">
-                <a:solidFill>
-                  <a:srgbClr val="0070C0"/>
-                </a:solidFill>
-              </a:rPr>
-              <a:t>methodToDocs</a:t>
-            </a:r>
-            <a:r>
-              <a:rPr lang="en-US" dirty="0" err="1" smtClean="0"/>
-              <a:t>.description</a:t>
-            </a:r>
-            <a:r>
-              <a:rPr lang="en-US" dirty="0" smtClean="0"/>
-              <a:t>) * 100;</a:t>
-            </a:r>
-          </a:p>
-          <a:p>
+            <a:pPr algn="ctr"/>
+            <a:r>
+              <a:rPr lang="es-ES" dirty="0"/>
+              <a:t>K(X, Y) = &lt;X, Y&gt; / (||X||*||Y||)</a:t>
+            </a:r>
             <a:endParaRPr lang="en-US" dirty="0"/>
-          </a:p>
-          <a:p>
-            <a:endParaRPr lang="en-US" dirty="0" smtClean="0"/>
-          </a:p>
-          <a:p>
-            <a:r>
-              <a:rPr lang="en-US" dirty="0" smtClean="0"/>
-              <a:t>If </a:t>
-            </a:r>
-            <a:r>
-              <a:rPr lang="en-US" dirty="0"/>
-              <a:t>we have one of the function in another mapping </a:t>
-            </a:r>
-            <a:r>
-              <a:rPr lang="en-US" dirty="0" smtClean="0"/>
-              <a:t>and </a:t>
-            </a:r>
-            <a:r>
-              <a:rPr lang="en-US" dirty="0"/>
-              <a:t>if found with </a:t>
-            </a:r>
-            <a:r>
-              <a:rPr lang="en-US" dirty="0" smtClean="0"/>
-              <a:t>high similar </a:t>
-            </a:r>
-            <a:r>
-              <a:rPr lang="en-US" dirty="0"/>
-              <a:t>we will ignore new mapping </a:t>
-            </a:r>
-            <a:r>
-              <a:rPr lang="en-US" dirty="0" smtClean="0"/>
-              <a:t>but </a:t>
-            </a:r>
-            <a:r>
-              <a:rPr lang="en-US" dirty="0"/>
-              <a:t>if found with lower similar we </a:t>
-            </a:r>
-            <a:r>
-              <a:rPr lang="en-US" dirty="0" smtClean="0"/>
-              <a:t>will update </a:t>
-            </a:r>
-            <a:r>
-              <a:rPr lang="en-US" dirty="0"/>
-              <a:t>new mapping with </a:t>
-            </a:r>
-            <a:r>
-              <a:rPr lang="en-US" dirty="0" smtClean="0"/>
-              <a:t>existing </a:t>
-            </a:r>
-            <a:r>
-              <a:rPr lang="en-US" dirty="0"/>
-              <a:t>one</a:t>
-            </a:r>
           </a:p>
         </p:txBody>
       </p:sp>
@@ -12970,7 +12848,488 @@
           <a:chExt cx="0" cy="0"/>
         </a:xfrm>
       </p:grpSpPr>
+      <p:sp>
+        <p:nvSpPr>
+          <p:cNvPr id="13314" name="Date Placeholder 3"/>
+          <p:cNvSpPr>
+            <a:spLocks noGrp="1"/>
+          </p:cNvSpPr>
+          <p:nvPr>
+            <p:ph type="dt" sz="quarter" idx="10"/>
+          </p:nvPr>
+        </p:nvSpPr>
+        <p:spPr>
+          <a:noFill/>
+          <a:ln/>
+          <a:extLst>
+            <a:ext uri="{909E8E84-426E-40DD-AFC4-6F175D3DCCD1}">
+              <a14:hiddenFill xmlns:a14="http://schemas.microsoft.com/office/drawing/2010/main">
+                <a:solidFill>
+                  <a:srgbClr val="FFFFFF"/>
+                </a:solidFill>
+              </a14:hiddenFill>
+            </a:ext>
+            <a:ext uri="{91240B29-F687-4F45-9708-019B960494DF}">
+              <a14:hiddenLine xmlns:a14="http://schemas.microsoft.com/office/drawing/2010/main" w="9525">
+                <a:solidFill>
+                  <a:srgbClr val="000000"/>
+                </a:solidFill>
+                <a:miter lim="800000"/>
+                <a:headEnd/>
+                <a:tailEnd/>
+              </a14:hiddenLine>
+            </a:ext>
+          </a:extLst>
+        </p:spPr>
+        <p:txBody>
+          <a:bodyPr/>
+          <a:lstStyle>
+            <a:lvl1pPr>
+              <a:lnSpc>
+                <a:spcPct val="120000"/>
+              </a:lnSpc>
+              <a:spcBef>
+                <a:spcPct val="20000"/>
+              </a:spcBef>
+              <a:spcAft>
+                <a:spcPct val="20000"/>
+              </a:spcAft>
+              <a:buClr>
+                <a:srgbClr val="990000"/>
+              </a:buClr>
+              <a:buSzPct val="85000"/>
+              <a:buFont typeface="Wingdings" panose="05000000000000000000" pitchFamily="2" charset="2"/>
+              <a:buChar char="l"/>
+              <a:defRPr sz="1700">
+                <a:solidFill>
+                  <a:schemeClr val="tx1"/>
+                </a:solidFill>
+                <a:latin typeface="FrutigerNext LT Medium" pitchFamily="34" charset="0"/>
+                <a:ea typeface="宋体" panose="02010600030101010101" pitchFamily="2" charset="-122"/>
+              </a:defRPr>
+            </a:lvl1pPr>
+            <a:lvl2pPr marL="742950" indent="-285750">
+              <a:lnSpc>
+                <a:spcPct val="120000"/>
+              </a:lnSpc>
+              <a:spcBef>
+                <a:spcPct val="20000"/>
+              </a:spcBef>
+              <a:spcAft>
+                <a:spcPct val="20000"/>
+              </a:spcAft>
+              <a:buClr>
+                <a:srgbClr val="5F5F5F"/>
+              </a:buClr>
+              <a:buFont typeface="Wingdings 3" panose="05040102010807070707" pitchFamily="18" charset="2"/>
+              <a:buChar char="["/>
+              <a:defRPr sz="1700">
+                <a:solidFill>
+                  <a:schemeClr val="tx1"/>
+                </a:solidFill>
+                <a:latin typeface="FrutigerNext LT Medium" pitchFamily="34" charset="0"/>
+                <a:ea typeface="宋体" panose="02010600030101010101" pitchFamily="2" charset="-122"/>
+              </a:defRPr>
+            </a:lvl2pPr>
+            <a:lvl3pPr marL="1143000" indent="-228600">
+              <a:lnSpc>
+                <a:spcPct val="120000"/>
+              </a:lnSpc>
+              <a:spcBef>
+                <a:spcPct val="20000"/>
+              </a:spcBef>
+              <a:spcAft>
+                <a:spcPct val="20000"/>
+              </a:spcAft>
+              <a:buClr>
+                <a:schemeClr val="tx1"/>
+              </a:buClr>
+              <a:buFont typeface="Arial" panose="020B0604020202020204" pitchFamily="34" charset="0"/>
+              <a:buChar char="−"/>
+              <a:defRPr sz="1700">
+                <a:solidFill>
+                  <a:schemeClr val="tx1"/>
+                </a:solidFill>
+                <a:latin typeface="FrutigerNext LT Medium" pitchFamily="34" charset="0"/>
+                <a:ea typeface="宋体" panose="02010600030101010101" pitchFamily="2" charset="-122"/>
+              </a:defRPr>
+            </a:lvl3pPr>
+            <a:lvl4pPr marL="1600200" indent="-228600">
+              <a:lnSpc>
+                <a:spcPct val="120000"/>
+              </a:lnSpc>
+              <a:spcBef>
+                <a:spcPct val="20000"/>
+              </a:spcBef>
+              <a:spcAft>
+                <a:spcPct val="20000"/>
+              </a:spcAft>
+              <a:buClr>
+                <a:schemeClr val="tx1"/>
+              </a:buClr>
+              <a:buFont typeface="Arial" panose="020B0604020202020204" pitchFamily="34" charset="0"/>
+              <a:buChar char="▪"/>
+              <a:defRPr sz="1700">
+                <a:solidFill>
+                  <a:schemeClr val="tx1"/>
+                </a:solidFill>
+                <a:latin typeface="FrutigerNext LT Medium" pitchFamily="34" charset="0"/>
+                <a:ea typeface="宋体" panose="02010600030101010101" pitchFamily="2" charset="-122"/>
+              </a:defRPr>
+            </a:lvl4pPr>
+            <a:lvl5pPr marL="2057400" indent="-228600">
+              <a:spcBef>
+                <a:spcPct val="20000"/>
+              </a:spcBef>
+              <a:buChar char="»"/>
+              <a:defRPr sz="1700">
+                <a:solidFill>
+                  <a:schemeClr val="tx1"/>
+                </a:solidFill>
+                <a:latin typeface="Arial" panose="020B0604020202020204" pitchFamily="34" charset="0"/>
+                <a:ea typeface="宋体" panose="02010600030101010101" pitchFamily="2" charset="-122"/>
+              </a:defRPr>
+            </a:lvl5pPr>
+            <a:lvl6pPr marL="2514600" indent="-228600" eaLnBrk="0" fontAlgn="base" hangingPunct="0">
+              <a:spcBef>
+                <a:spcPct val="20000"/>
+              </a:spcBef>
+              <a:spcAft>
+                <a:spcPct val="0"/>
+              </a:spcAft>
+              <a:buChar char="»"/>
+              <a:defRPr sz="1700">
+                <a:solidFill>
+                  <a:schemeClr val="tx1"/>
+                </a:solidFill>
+                <a:latin typeface="Arial" panose="020B0604020202020204" pitchFamily="34" charset="0"/>
+                <a:ea typeface="宋体" panose="02010600030101010101" pitchFamily="2" charset="-122"/>
+              </a:defRPr>
+            </a:lvl6pPr>
+            <a:lvl7pPr marL="2971800" indent="-228600" eaLnBrk="0" fontAlgn="base" hangingPunct="0">
+              <a:spcBef>
+                <a:spcPct val="20000"/>
+              </a:spcBef>
+              <a:spcAft>
+                <a:spcPct val="0"/>
+              </a:spcAft>
+              <a:buChar char="»"/>
+              <a:defRPr sz="1700">
+                <a:solidFill>
+                  <a:schemeClr val="tx1"/>
+                </a:solidFill>
+                <a:latin typeface="Arial" panose="020B0604020202020204" pitchFamily="34" charset="0"/>
+                <a:ea typeface="宋体" panose="02010600030101010101" pitchFamily="2" charset="-122"/>
+              </a:defRPr>
+            </a:lvl7pPr>
+            <a:lvl8pPr marL="3429000" indent="-228600" eaLnBrk="0" fontAlgn="base" hangingPunct="0">
+              <a:spcBef>
+                <a:spcPct val="20000"/>
+              </a:spcBef>
+              <a:spcAft>
+                <a:spcPct val="0"/>
+              </a:spcAft>
+              <a:buChar char="»"/>
+              <a:defRPr sz="1700">
+                <a:solidFill>
+                  <a:schemeClr val="tx1"/>
+                </a:solidFill>
+                <a:latin typeface="Arial" panose="020B0604020202020204" pitchFamily="34" charset="0"/>
+                <a:ea typeface="宋体" panose="02010600030101010101" pitchFamily="2" charset="-122"/>
+              </a:defRPr>
+            </a:lvl8pPr>
+            <a:lvl9pPr marL="3886200" indent="-228600" eaLnBrk="0" fontAlgn="base" hangingPunct="0">
+              <a:spcBef>
+                <a:spcPct val="20000"/>
+              </a:spcBef>
+              <a:spcAft>
+                <a:spcPct val="0"/>
+              </a:spcAft>
+              <a:buChar char="»"/>
+              <a:defRPr sz="1700">
+                <a:solidFill>
+                  <a:schemeClr val="tx1"/>
+                </a:solidFill>
+                <a:latin typeface="Arial" panose="020B0604020202020204" pitchFamily="34" charset="0"/>
+                <a:ea typeface="宋体" panose="02010600030101010101" pitchFamily="2" charset="-122"/>
+              </a:defRPr>
+            </a:lvl9pPr>
+          </a:lstStyle>
+          <a:p>
+            <a:pPr>
+              <a:lnSpc>
+                <a:spcPct val="85000"/>
+              </a:lnSpc>
+              <a:spcBef>
+                <a:spcPct val="0"/>
+              </a:spcBef>
+              <a:spcAft>
+                <a:spcPct val="0"/>
+              </a:spcAft>
+              <a:buClrTx/>
+              <a:buSzTx/>
+              <a:buFontTx/>
+              <a:buNone/>
+            </a:pPr>
+            <a:endParaRPr lang="de-DE" altLang="en-US" sz="1000" smtClean="0">
+              <a:ea typeface="MS PGothic" panose="020B0600070205080204" pitchFamily="34" charset="-128"/>
+            </a:endParaRPr>
+          </a:p>
+          <a:p>
+            <a:pPr>
+              <a:lnSpc>
+                <a:spcPct val="85000"/>
+              </a:lnSpc>
+              <a:spcBef>
+                <a:spcPct val="0"/>
+              </a:spcBef>
+              <a:spcAft>
+                <a:spcPct val="0"/>
+              </a:spcAft>
+              <a:buClrTx/>
+              <a:buSzTx/>
+              <a:buFontTx/>
+              <a:buNone/>
+            </a:pPr>
+            <a:r>
+              <a:rPr lang="de-DE" altLang="en-US" sz="1000" smtClean="0">
+                <a:ea typeface="MS PGothic" panose="020B0600070205080204" pitchFamily="34" charset="-128"/>
+              </a:rPr>
+              <a:t>Page </a:t>
+            </a:r>
+            <a:fld id="{B3469F90-8F0E-4FA7-8D20-EE0658960776}" type="slidenum">
+              <a:rPr lang="de-DE" altLang="en-US" sz="1000" smtClean="0">
+                <a:ea typeface="MS PGothic" panose="020B0600070205080204" pitchFamily="34" charset="-128"/>
+              </a:rPr>
+              <a:pPr>
+                <a:lnSpc>
+                  <a:spcPct val="85000"/>
+                </a:lnSpc>
+                <a:spcBef>
+                  <a:spcPct val="0"/>
+                </a:spcBef>
+                <a:spcAft>
+                  <a:spcPct val="0"/>
+                </a:spcAft>
+                <a:buClrTx/>
+                <a:buSzTx/>
+                <a:buFontTx/>
+                <a:buNone/>
+              </a:pPr>
+              <a:t>9</a:t>
+            </a:fld>
+            <a:r>
+              <a:rPr lang="ru-RU" altLang="en-US" sz="1000" smtClean="0">
+                <a:ea typeface="MS PGothic" panose="020B0600070205080204" pitchFamily="34" charset="-128"/>
+              </a:rPr>
+              <a:t>/1</a:t>
+            </a:r>
+            <a:r>
+              <a:rPr lang="en-US" altLang="en-US" sz="1000" smtClean="0">
+                <a:ea typeface="MS PGothic" panose="020B0600070205080204" pitchFamily="34" charset="-128"/>
+              </a:rPr>
+              <a:t>3</a:t>
+            </a:r>
+            <a:endParaRPr lang="en-GB" altLang="en-US" sz="1000" smtClean="0">
+              <a:ea typeface="MS PGothic" panose="020B0600070205080204" pitchFamily="34" charset="-128"/>
+            </a:endParaRPr>
+          </a:p>
+        </p:txBody>
+      </p:sp>
+      <p:sp>
+        <p:nvSpPr>
+          <p:cNvPr id="13316" name="Title 2"/>
+          <p:cNvSpPr>
+            <a:spLocks noGrp="1"/>
+          </p:cNvSpPr>
+          <p:nvPr>
+            <p:ph type="title"/>
+          </p:nvPr>
+        </p:nvSpPr>
+        <p:spPr>
+          <a:xfrm>
+            <a:off x="0" y="-9553"/>
+            <a:ext cx="9144000" cy="630238"/>
+          </a:xfrm>
+        </p:spPr>
+        <p:txBody>
+          <a:bodyPr/>
+          <a:lstStyle/>
+          <a:p>
+            <a:pPr algn="ctr"/>
+            <a:r>
+              <a:rPr lang="en-US" altLang="en-US" dirty="0" smtClean="0"/>
+              <a:t>Applied TF IDF in API migration</a:t>
+            </a:r>
+          </a:p>
+        </p:txBody>
+      </p:sp>
+      <p:sp>
+        <p:nvSpPr>
+          <p:cNvPr id="8" name="TextBox 7"/>
+          <p:cNvSpPr txBox="1"/>
+          <p:nvPr/>
+        </p:nvSpPr>
+        <p:spPr>
+          <a:xfrm>
+            <a:off x="381000" y="1066800"/>
+            <a:ext cx="8534400" cy="2585323"/>
+          </a:xfrm>
+          <a:prstGeom prst="rect">
+            <a:avLst/>
+          </a:prstGeom>
+          <a:noFill/>
+        </p:spPr>
+        <p:txBody>
+          <a:bodyPr wrap="square" rtlCol="0">
+            <a:spAutoFit/>
+          </a:bodyPr>
+          <a:lstStyle/>
+          <a:p>
+            <a:r>
+              <a:rPr lang="en-US" dirty="0"/>
+              <a:t>double </a:t>
+            </a:r>
+            <a:r>
+              <a:rPr lang="en-US" dirty="0" err="1"/>
+              <a:t>SimilarDegree</a:t>
+            </a:r>
+            <a:r>
+              <a:rPr lang="en-US" dirty="0"/>
+              <a:t> </a:t>
+            </a:r>
+            <a:r>
+              <a:rPr lang="en-US" dirty="0" smtClean="0"/>
+              <a:t>=</a:t>
+            </a:r>
+          </a:p>
+          <a:p>
+            <a:endParaRPr lang="en-US" dirty="0" smtClean="0"/>
+          </a:p>
+          <a:p>
+            <a:r>
+              <a:rPr lang="en-US" dirty="0"/>
+              <a:t> </a:t>
+            </a:r>
+            <a:r>
+              <a:rPr lang="en-US" dirty="0" smtClean="0"/>
+              <a:t>             </a:t>
+            </a:r>
+            <a:r>
+              <a:rPr lang="en-US" dirty="0" err="1" smtClean="0"/>
+              <a:t>nlpWebService.getCosineSimilarity</a:t>
+            </a:r>
+            <a:r>
+              <a:rPr lang="en-US" dirty="0" smtClean="0"/>
+              <a:t>(</a:t>
+            </a:r>
+            <a:r>
+              <a:rPr lang="en-US" dirty="0" err="1" smtClean="0">
+                <a:solidFill>
+                  <a:srgbClr val="00B050"/>
+                </a:solidFill>
+              </a:rPr>
+              <a:t>methodFromDocs</a:t>
+            </a:r>
+            <a:r>
+              <a:rPr lang="en-US" dirty="0" err="1" smtClean="0"/>
+              <a:t>.description</a:t>
+            </a:r>
+            <a:r>
+              <a:rPr lang="en-US" dirty="0"/>
+              <a:t>,</a:t>
+            </a:r>
+          </a:p>
+          <a:p>
+            <a:r>
+              <a:rPr lang="en-US" dirty="0"/>
+              <a:t>				</a:t>
+            </a:r>
+            <a:r>
+              <a:rPr lang="en-US" dirty="0" smtClean="0"/>
+              <a:t>              </a:t>
+            </a:r>
+            <a:r>
+              <a:rPr lang="en-US" dirty="0" err="1" smtClean="0">
+                <a:solidFill>
+                  <a:srgbClr val="0070C0"/>
+                </a:solidFill>
+              </a:rPr>
+              <a:t>methodToDocs</a:t>
+            </a:r>
+            <a:r>
+              <a:rPr lang="en-US" dirty="0" err="1" smtClean="0"/>
+              <a:t>.description</a:t>
+            </a:r>
+            <a:r>
+              <a:rPr lang="en-US" dirty="0" smtClean="0"/>
+              <a:t>) * 100;</a:t>
+            </a:r>
+          </a:p>
+          <a:p>
+            <a:endParaRPr lang="en-US" dirty="0"/>
+          </a:p>
+          <a:p>
+            <a:endParaRPr lang="en-US" dirty="0" smtClean="0"/>
+          </a:p>
+          <a:p>
+            <a:r>
+              <a:rPr lang="en-US" dirty="0" smtClean="0"/>
+              <a:t>If </a:t>
+            </a:r>
+            <a:r>
+              <a:rPr lang="en-US" dirty="0"/>
+              <a:t>we have one of the function in another mapping </a:t>
+            </a:r>
+            <a:r>
+              <a:rPr lang="en-US" dirty="0" smtClean="0"/>
+              <a:t>and </a:t>
+            </a:r>
+            <a:r>
+              <a:rPr lang="en-US" dirty="0"/>
+              <a:t>if found with </a:t>
+            </a:r>
+            <a:r>
+              <a:rPr lang="en-US" dirty="0" smtClean="0"/>
+              <a:t>high similar </a:t>
+            </a:r>
+            <a:r>
+              <a:rPr lang="en-US" dirty="0"/>
+              <a:t>we will ignore new mapping </a:t>
+            </a:r>
+            <a:r>
+              <a:rPr lang="en-US" dirty="0" smtClean="0"/>
+              <a:t>but </a:t>
+            </a:r>
+            <a:r>
+              <a:rPr lang="en-US" dirty="0"/>
+              <a:t>if found with lower similar we </a:t>
+            </a:r>
+            <a:r>
+              <a:rPr lang="en-US" dirty="0" smtClean="0"/>
+              <a:t>will update </a:t>
+            </a:r>
+            <a:r>
+              <a:rPr lang="en-US" dirty="0"/>
+              <a:t>new mapping with </a:t>
+            </a:r>
+            <a:r>
+              <a:rPr lang="en-US" dirty="0" smtClean="0"/>
+              <a:t>existing </a:t>
+            </a:r>
+            <a:r>
+              <a:rPr lang="en-US" dirty="0"/>
+              <a:t>one</a:t>
+            </a:r>
+          </a:p>
+        </p:txBody>
+      </p:sp>
     </p:spTree>
+    <p:extLst>
+      <p:ext uri="{BB962C8B-B14F-4D97-AF65-F5344CB8AC3E}">
+        <p14:creationId xmlns:p14="http://schemas.microsoft.com/office/powerpoint/2010/main" val="1039345378"/>
+      </p:ext>
+    </p:extLst>
   </p:cSld>
   <p:clrMapOvr>
     <a:masterClrMapping/>

--- a/materials/Project Presentation.pptx
+++ b/materials/Project Presentation.pptx
@@ -6,7 +6,7 @@
     <p:sldMasterId id="2147483656" r:id="rId2"/>
   </p:sldMasterIdLst>
   <p:notesMasterIdLst>
-    <p:notesMasterId r:id="rId13"/>
+    <p:notesMasterId r:id="rId14"/>
   </p:notesMasterIdLst>
   <p:sldIdLst>
     <p:sldId id="314" r:id="rId3"/>
@@ -18,7 +18,8 @@
     <p:sldId id="344" r:id="rId9"/>
     <p:sldId id="328" r:id="rId10"/>
     <p:sldId id="345" r:id="rId11"/>
-    <p:sldId id="315" r:id="rId12"/>
+    <p:sldId id="346" r:id="rId12"/>
+    <p:sldId id="315" r:id="rId13"/>
   </p:sldIdLst>
   <p:sldSz cx="9144000" cy="6858000" type="screen4x3"/>
   <p:notesSz cx="6858000" cy="9144000"/>
@@ -7936,6 +7937,519 @@
           <a:chExt cx="0" cy="0"/>
         </a:xfrm>
       </p:grpSpPr>
+      <p:sp>
+        <p:nvSpPr>
+          <p:cNvPr id="13314" name="Date Placeholder 3"/>
+          <p:cNvSpPr>
+            <a:spLocks noGrp="1"/>
+          </p:cNvSpPr>
+          <p:nvPr>
+            <p:ph type="dt" sz="quarter" idx="10"/>
+          </p:nvPr>
+        </p:nvSpPr>
+        <p:spPr>
+          <a:noFill/>
+          <a:ln/>
+          <a:extLst>
+            <a:ext uri="{909E8E84-426E-40DD-AFC4-6F175D3DCCD1}">
+              <a14:hiddenFill xmlns:a14="http://schemas.microsoft.com/office/drawing/2010/main">
+                <a:solidFill>
+                  <a:srgbClr val="FFFFFF"/>
+                </a:solidFill>
+              </a14:hiddenFill>
+            </a:ext>
+            <a:ext uri="{91240B29-F687-4F45-9708-019B960494DF}">
+              <a14:hiddenLine xmlns:a14="http://schemas.microsoft.com/office/drawing/2010/main" w="9525">
+                <a:solidFill>
+                  <a:srgbClr val="000000"/>
+                </a:solidFill>
+                <a:miter lim="800000"/>
+                <a:headEnd/>
+                <a:tailEnd/>
+              </a14:hiddenLine>
+            </a:ext>
+          </a:extLst>
+        </p:spPr>
+        <p:txBody>
+          <a:bodyPr/>
+          <a:lstStyle>
+            <a:lvl1pPr>
+              <a:lnSpc>
+                <a:spcPct val="120000"/>
+              </a:lnSpc>
+              <a:spcBef>
+                <a:spcPct val="20000"/>
+              </a:spcBef>
+              <a:spcAft>
+                <a:spcPct val="20000"/>
+              </a:spcAft>
+              <a:buClr>
+                <a:srgbClr val="990000"/>
+              </a:buClr>
+              <a:buSzPct val="85000"/>
+              <a:buFont typeface="Wingdings" panose="05000000000000000000" pitchFamily="2" charset="2"/>
+              <a:buChar char="l"/>
+              <a:defRPr sz="1700">
+                <a:solidFill>
+                  <a:schemeClr val="tx1"/>
+                </a:solidFill>
+                <a:latin typeface="FrutigerNext LT Medium" pitchFamily="34" charset="0"/>
+                <a:ea typeface="宋体" panose="02010600030101010101" pitchFamily="2" charset="-122"/>
+              </a:defRPr>
+            </a:lvl1pPr>
+            <a:lvl2pPr marL="742950" indent="-285750">
+              <a:lnSpc>
+                <a:spcPct val="120000"/>
+              </a:lnSpc>
+              <a:spcBef>
+                <a:spcPct val="20000"/>
+              </a:spcBef>
+              <a:spcAft>
+                <a:spcPct val="20000"/>
+              </a:spcAft>
+              <a:buClr>
+                <a:srgbClr val="5F5F5F"/>
+              </a:buClr>
+              <a:buFont typeface="Wingdings 3" panose="05040102010807070707" pitchFamily="18" charset="2"/>
+              <a:buChar char="["/>
+              <a:defRPr sz="1700">
+                <a:solidFill>
+                  <a:schemeClr val="tx1"/>
+                </a:solidFill>
+                <a:latin typeface="FrutigerNext LT Medium" pitchFamily="34" charset="0"/>
+                <a:ea typeface="宋体" panose="02010600030101010101" pitchFamily="2" charset="-122"/>
+              </a:defRPr>
+            </a:lvl2pPr>
+            <a:lvl3pPr marL="1143000" indent="-228600">
+              <a:lnSpc>
+                <a:spcPct val="120000"/>
+              </a:lnSpc>
+              <a:spcBef>
+                <a:spcPct val="20000"/>
+              </a:spcBef>
+              <a:spcAft>
+                <a:spcPct val="20000"/>
+              </a:spcAft>
+              <a:buClr>
+                <a:schemeClr val="tx1"/>
+              </a:buClr>
+              <a:buFont typeface="Arial" panose="020B0604020202020204" pitchFamily="34" charset="0"/>
+              <a:buChar char="−"/>
+              <a:defRPr sz="1700">
+                <a:solidFill>
+                  <a:schemeClr val="tx1"/>
+                </a:solidFill>
+                <a:latin typeface="FrutigerNext LT Medium" pitchFamily="34" charset="0"/>
+                <a:ea typeface="宋体" panose="02010600030101010101" pitchFamily="2" charset="-122"/>
+              </a:defRPr>
+            </a:lvl3pPr>
+            <a:lvl4pPr marL="1600200" indent="-228600">
+              <a:lnSpc>
+                <a:spcPct val="120000"/>
+              </a:lnSpc>
+              <a:spcBef>
+                <a:spcPct val="20000"/>
+              </a:spcBef>
+              <a:spcAft>
+                <a:spcPct val="20000"/>
+              </a:spcAft>
+              <a:buClr>
+                <a:schemeClr val="tx1"/>
+              </a:buClr>
+              <a:buFont typeface="Arial" panose="020B0604020202020204" pitchFamily="34" charset="0"/>
+              <a:buChar char="▪"/>
+              <a:defRPr sz="1700">
+                <a:solidFill>
+                  <a:schemeClr val="tx1"/>
+                </a:solidFill>
+                <a:latin typeface="FrutigerNext LT Medium" pitchFamily="34" charset="0"/>
+                <a:ea typeface="宋体" panose="02010600030101010101" pitchFamily="2" charset="-122"/>
+              </a:defRPr>
+            </a:lvl4pPr>
+            <a:lvl5pPr marL="2057400" indent="-228600">
+              <a:spcBef>
+                <a:spcPct val="20000"/>
+              </a:spcBef>
+              <a:buChar char="»"/>
+              <a:defRPr sz="1700">
+                <a:solidFill>
+                  <a:schemeClr val="tx1"/>
+                </a:solidFill>
+                <a:latin typeface="Arial" panose="020B0604020202020204" pitchFamily="34" charset="0"/>
+                <a:ea typeface="宋体" panose="02010600030101010101" pitchFamily="2" charset="-122"/>
+              </a:defRPr>
+            </a:lvl5pPr>
+            <a:lvl6pPr marL="2514600" indent="-228600" eaLnBrk="0" fontAlgn="base" hangingPunct="0">
+              <a:spcBef>
+                <a:spcPct val="20000"/>
+              </a:spcBef>
+              <a:spcAft>
+                <a:spcPct val="0"/>
+              </a:spcAft>
+              <a:buChar char="»"/>
+              <a:defRPr sz="1700">
+                <a:solidFill>
+                  <a:schemeClr val="tx1"/>
+                </a:solidFill>
+                <a:latin typeface="Arial" panose="020B0604020202020204" pitchFamily="34" charset="0"/>
+                <a:ea typeface="宋体" panose="02010600030101010101" pitchFamily="2" charset="-122"/>
+              </a:defRPr>
+            </a:lvl6pPr>
+            <a:lvl7pPr marL="2971800" indent="-228600" eaLnBrk="0" fontAlgn="base" hangingPunct="0">
+              <a:spcBef>
+                <a:spcPct val="20000"/>
+              </a:spcBef>
+              <a:spcAft>
+                <a:spcPct val="0"/>
+              </a:spcAft>
+              <a:buChar char="»"/>
+              <a:defRPr sz="1700">
+                <a:solidFill>
+                  <a:schemeClr val="tx1"/>
+                </a:solidFill>
+                <a:latin typeface="Arial" panose="020B0604020202020204" pitchFamily="34" charset="0"/>
+                <a:ea typeface="宋体" panose="02010600030101010101" pitchFamily="2" charset="-122"/>
+              </a:defRPr>
+            </a:lvl7pPr>
+            <a:lvl8pPr marL="3429000" indent="-228600" eaLnBrk="0" fontAlgn="base" hangingPunct="0">
+              <a:spcBef>
+                <a:spcPct val="20000"/>
+              </a:spcBef>
+              <a:spcAft>
+                <a:spcPct val="0"/>
+              </a:spcAft>
+              <a:buChar char="»"/>
+              <a:defRPr sz="1700">
+                <a:solidFill>
+                  <a:schemeClr val="tx1"/>
+                </a:solidFill>
+                <a:latin typeface="Arial" panose="020B0604020202020204" pitchFamily="34" charset="0"/>
+                <a:ea typeface="宋体" panose="02010600030101010101" pitchFamily="2" charset="-122"/>
+              </a:defRPr>
+            </a:lvl8pPr>
+            <a:lvl9pPr marL="3886200" indent="-228600" eaLnBrk="0" fontAlgn="base" hangingPunct="0">
+              <a:spcBef>
+                <a:spcPct val="20000"/>
+              </a:spcBef>
+              <a:spcAft>
+                <a:spcPct val="0"/>
+              </a:spcAft>
+              <a:buChar char="»"/>
+              <a:defRPr sz="1700">
+                <a:solidFill>
+                  <a:schemeClr val="tx1"/>
+                </a:solidFill>
+                <a:latin typeface="Arial" panose="020B0604020202020204" pitchFamily="34" charset="0"/>
+                <a:ea typeface="宋体" panose="02010600030101010101" pitchFamily="2" charset="-122"/>
+              </a:defRPr>
+            </a:lvl9pPr>
+          </a:lstStyle>
+          <a:p>
+            <a:pPr>
+              <a:lnSpc>
+                <a:spcPct val="85000"/>
+              </a:lnSpc>
+              <a:spcBef>
+                <a:spcPct val="0"/>
+              </a:spcBef>
+              <a:spcAft>
+                <a:spcPct val="0"/>
+              </a:spcAft>
+              <a:buClrTx/>
+              <a:buSzTx/>
+              <a:buFontTx/>
+              <a:buNone/>
+            </a:pPr>
+            <a:endParaRPr lang="de-DE" altLang="en-US" sz="1000" smtClean="0">
+              <a:ea typeface="MS PGothic" panose="020B0600070205080204" pitchFamily="34" charset="-128"/>
+            </a:endParaRPr>
+          </a:p>
+          <a:p>
+            <a:pPr>
+              <a:lnSpc>
+                <a:spcPct val="85000"/>
+              </a:lnSpc>
+              <a:spcBef>
+                <a:spcPct val="0"/>
+              </a:spcBef>
+              <a:spcAft>
+                <a:spcPct val="0"/>
+              </a:spcAft>
+              <a:buClrTx/>
+              <a:buSzTx/>
+              <a:buFontTx/>
+              <a:buNone/>
+            </a:pPr>
+            <a:r>
+              <a:rPr lang="de-DE" altLang="en-US" sz="1000" smtClean="0">
+                <a:ea typeface="MS PGothic" panose="020B0600070205080204" pitchFamily="34" charset="-128"/>
+              </a:rPr>
+              <a:t>Page </a:t>
+            </a:r>
+            <a:fld id="{B3469F90-8F0E-4FA7-8D20-EE0658960776}" type="slidenum">
+              <a:rPr lang="de-DE" altLang="en-US" sz="1000" smtClean="0">
+                <a:ea typeface="MS PGothic" panose="020B0600070205080204" pitchFamily="34" charset="-128"/>
+              </a:rPr>
+              <a:pPr>
+                <a:lnSpc>
+                  <a:spcPct val="85000"/>
+                </a:lnSpc>
+                <a:spcBef>
+                  <a:spcPct val="0"/>
+                </a:spcBef>
+                <a:spcAft>
+                  <a:spcPct val="0"/>
+                </a:spcAft>
+                <a:buClrTx/>
+                <a:buSzTx/>
+                <a:buFontTx/>
+                <a:buNone/>
+              </a:pPr>
+              <a:t>10</a:t>
+            </a:fld>
+            <a:r>
+              <a:rPr lang="ru-RU" altLang="en-US" sz="1000" smtClean="0">
+                <a:ea typeface="MS PGothic" panose="020B0600070205080204" pitchFamily="34" charset="-128"/>
+              </a:rPr>
+              <a:t>/1</a:t>
+            </a:r>
+            <a:r>
+              <a:rPr lang="en-US" altLang="en-US" sz="1000" smtClean="0">
+                <a:ea typeface="MS PGothic" panose="020B0600070205080204" pitchFamily="34" charset="-128"/>
+              </a:rPr>
+              <a:t>3</a:t>
+            </a:r>
+            <a:endParaRPr lang="en-GB" altLang="en-US" sz="1000" smtClean="0">
+              <a:ea typeface="MS PGothic" panose="020B0600070205080204" pitchFamily="34" charset="-128"/>
+            </a:endParaRPr>
+          </a:p>
+        </p:txBody>
+      </p:sp>
+      <p:sp>
+        <p:nvSpPr>
+          <p:cNvPr id="13316" name="Title 2"/>
+          <p:cNvSpPr>
+            <a:spLocks noGrp="1"/>
+          </p:cNvSpPr>
+          <p:nvPr>
+            <p:ph type="title"/>
+          </p:nvPr>
+        </p:nvSpPr>
+        <p:spPr>
+          <a:xfrm>
+            <a:off x="0" y="-9553"/>
+            <a:ext cx="9144000" cy="630238"/>
+          </a:xfrm>
+        </p:spPr>
+        <p:txBody>
+          <a:bodyPr/>
+          <a:lstStyle/>
+          <a:p>
+            <a:pPr algn="ctr"/>
+            <a:r>
+              <a:rPr lang="en-US" altLang="en-US" dirty="0" smtClean="0"/>
+              <a:t>Applied TF IDF in API migration</a:t>
+            </a:r>
+          </a:p>
+        </p:txBody>
+      </p:sp>
+      <p:sp>
+        <p:nvSpPr>
+          <p:cNvPr id="8" name="TextBox 7"/>
+          <p:cNvSpPr txBox="1"/>
+          <p:nvPr/>
+        </p:nvSpPr>
+        <p:spPr>
+          <a:xfrm>
+            <a:off x="381000" y="1066800"/>
+            <a:ext cx="8534400" cy="2585323"/>
+          </a:xfrm>
+          <a:prstGeom prst="rect">
+            <a:avLst/>
+          </a:prstGeom>
+          <a:noFill/>
+        </p:spPr>
+        <p:txBody>
+          <a:bodyPr wrap="square" rtlCol="0">
+            <a:spAutoFit/>
+          </a:bodyPr>
+          <a:lstStyle/>
+          <a:p>
+            <a:r>
+              <a:rPr lang="en-US" dirty="0"/>
+              <a:t>double </a:t>
+            </a:r>
+            <a:r>
+              <a:rPr lang="en-US" dirty="0" err="1"/>
+              <a:t>SimilarDegree</a:t>
+            </a:r>
+            <a:r>
+              <a:rPr lang="en-US" dirty="0"/>
+              <a:t> </a:t>
+            </a:r>
+            <a:r>
+              <a:rPr lang="en-US" dirty="0" smtClean="0"/>
+              <a:t>=</a:t>
+            </a:r>
+          </a:p>
+          <a:p>
+            <a:endParaRPr lang="en-US" dirty="0" smtClean="0"/>
+          </a:p>
+          <a:p>
+            <a:r>
+              <a:rPr lang="en-US" dirty="0"/>
+              <a:t> </a:t>
+            </a:r>
+            <a:r>
+              <a:rPr lang="en-US" dirty="0" smtClean="0"/>
+              <a:t>             </a:t>
+            </a:r>
+            <a:r>
+              <a:rPr lang="en-US" dirty="0" err="1" smtClean="0"/>
+              <a:t>nlpWebService.getCosineSimilarity</a:t>
+            </a:r>
+            <a:r>
+              <a:rPr lang="en-US" dirty="0" smtClean="0"/>
+              <a:t>(</a:t>
+            </a:r>
+            <a:r>
+              <a:rPr lang="en-US" dirty="0" err="1" smtClean="0">
+                <a:solidFill>
+                  <a:srgbClr val="00B050"/>
+                </a:solidFill>
+              </a:rPr>
+              <a:t>methodFromDocs</a:t>
+            </a:r>
+            <a:r>
+              <a:rPr lang="en-US" dirty="0" err="1" smtClean="0"/>
+              <a:t>.description</a:t>
+            </a:r>
+            <a:r>
+              <a:rPr lang="en-US" dirty="0"/>
+              <a:t>,</a:t>
+            </a:r>
+          </a:p>
+          <a:p>
+            <a:r>
+              <a:rPr lang="en-US" dirty="0"/>
+              <a:t>				</a:t>
+            </a:r>
+            <a:r>
+              <a:rPr lang="en-US" dirty="0" smtClean="0"/>
+              <a:t>              </a:t>
+            </a:r>
+            <a:r>
+              <a:rPr lang="en-US" dirty="0" err="1" smtClean="0">
+                <a:solidFill>
+                  <a:srgbClr val="0070C0"/>
+                </a:solidFill>
+              </a:rPr>
+              <a:t>methodToDocs</a:t>
+            </a:r>
+            <a:r>
+              <a:rPr lang="en-US" dirty="0" err="1" smtClean="0"/>
+              <a:t>.description</a:t>
+            </a:r>
+            <a:r>
+              <a:rPr lang="en-US" dirty="0" smtClean="0"/>
+              <a:t>) * 100;</a:t>
+            </a:r>
+          </a:p>
+          <a:p>
+            <a:endParaRPr lang="en-US" dirty="0"/>
+          </a:p>
+          <a:p>
+            <a:endParaRPr lang="en-US" dirty="0" smtClean="0"/>
+          </a:p>
+          <a:p>
+            <a:r>
+              <a:rPr lang="en-US" dirty="0" smtClean="0"/>
+              <a:t>If </a:t>
+            </a:r>
+            <a:r>
+              <a:rPr lang="en-US" dirty="0"/>
+              <a:t>we have one of the function in another mapping </a:t>
+            </a:r>
+            <a:r>
+              <a:rPr lang="en-US" dirty="0" smtClean="0"/>
+              <a:t>and </a:t>
+            </a:r>
+            <a:r>
+              <a:rPr lang="en-US" dirty="0"/>
+              <a:t>if found with </a:t>
+            </a:r>
+            <a:r>
+              <a:rPr lang="en-US" dirty="0" smtClean="0"/>
+              <a:t>high similar </a:t>
+            </a:r>
+            <a:r>
+              <a:rPr lang="en-US" dirty="0"/>
+              <a:t>we will ignore new mapping </a:t>
+            </a:r>
+            <a:r>
+              <a:rPr lang="en-US" dirty="0" smtClean="0"/>
+              <a:t>but </a:t>
+            </a:r>
+            <a:r>
+              <a:rPr lang="en-US" dirty="0"/>
+              <a:t>if found with lower similar we </a:t>
+            </a:r>
+            <a:r>
+              <a:rPr lang="en-US" dirty="0" smtClean="0"/>
+              <a:t>will update </a:t>
+            </a:r>
+            <a:r>
+              <a:rPr lang="en-US" dirty="0"/>
+              <a:t>new mapping with </a:t>
+            </a:r>
+            <a:r>
+              <a:rPr lang="en-US" dirty="0" smtClean="0"/>
+              <a:t>existing </a:t>
+            </a:r>
+            <a:r>
+              <a:rPr lang="en-US" dirty="0"/>
+              <a:t>one</a:t>
+            </a:r>
+          </a:p>
+        </p:txBody>
+      </p:sp>
+    </p:spTree>
+    <p:extLst>
+      <p:ext uri="{BB962C8B-B14F-4D97-AF65-F5344CB8AC3E}">
+        <p14:creationId xmlns:p14="http://schemas.microsoft.com/office/powerpoint/2010/main" val="4048883598"/>
+      </p:ext>
+    </p:extLst>
+  </p:cSld>
+  <p:clrMapOvr>
+    <a:masterClrMapping/>
+  </p:clrMapOvr>
+  <p:timing>
+    <p:tnLst>
+      <p:par>
+        <p:cTn id="1" dur="indefinite" restart="never" nodeType="tmRoot"/>
+      </p:par>
+    </p:tnLst>
+  </p:timing>
+</p:sld>
+</file>
+
+<file path=ppt/slides/slide11.xml><?xml version="1.0" encoding="utf-8"?>
+<p:sld xmlns:a="http://schemas.openxmlformats.org/drawingml/2006/main" xmlns:r="http://schemas.openxmlformats.org/officeDocument/2006/relationships" xmlns:p="http://schemas.openxmlformats.org/presentationml/2006/main">
+  <p:cSld>
+    <p:spTree>
+      <p:nvGrpSpPr>
+        <p:cNvPr id="1" name=""/>
+        <p:cNvGrpSpPr/>
+        <p:nvPr/>
+      </p:nvGrpSpPr>
+      <p:grpSpPr>
+        <a:xfrm>
+          <a:off x="0" y="0"/>
+          <a:ext cx="0" cy="0"/>
+          <a:chOff x="0" y="0"/>
+          <a:chExt cx="0" cy="0"/>
+        </a:xfrm>
+      </p:grpSpPr>
     </p:spTree>
   </p:cSld>
   <p:clrMapOvr>
@@ -12781,7 +13295,6 @@
               <a:rPr lang="en-US" altLang="en-US" dirty="0" smtClean="0"/>
               <a:t>Cosine similarity</a:t>
             </a:r>
-            <a:endParaRPr lang="en-US" altLang="en-US" dirty="0" smtClean="0"/>
           </a:p>
         </p:txBody>
       </p:sp>
@@ -13159,21 +13672,550 @@
             <a:pPr algn="ctr"/>
             <a:r>
               <a:rPr lang="en-US" altLang="en-US" dirty="0" smtClean="0"/>
-              <a:t>Applied TF IDF in API migration</a:t>
+              <a:t>Applied </a:t>
+            </a:r>
+            <a:r>
+              <a:rPr lang="en-US" altLang="en-US" dirty="0" smtClean="0"/>
+              <a:t>ML </a:t>
+            </a:r>
+            <a:r>
+              <a:rPr lang="en-US" altLang="en-US" dirty="0" smtClean="0"/>
+              <a:t>in API migration</a:t>
             </a:r>
           </a:p>
         </p:txBody>
       </p:sp>
       <p:sp>
         <p:nvSpPr>
-          <p:cNvPr id="8" name="TextBox 7"/>
+          <p:cNvPr id="2" name="TextBox 1"/>
           <p:cNvSpPr txBox="1"/>
           <p:nvPr/>
         </p:nvSpPr>
         <p:spPr>
           <a:xfrm>
-            <a:off x="381000" y="1066800"/>
-            <a:ext cx="8534400" cy="2585323"/>
+            <a:off x="1371600" y="669300"/>
+            <a:ext cx="2667000" cy="369332"/>
+          </a:xfrm>
+          <a:prstGeom prst="rect">
+            <a:avLst/>
+          </a:prstGeom>
+          <a:solidFill>
+            <a:schemeClr val="accent1"/>
+          </a:solidFill>
+        </p:spPr>
+        <p:txBody>
+          <a:bodyPr wrap="square" rtlCol="0">
+            <a:spAutoFit/>
+          </a:bodyPr>
+          <a:lstStyle/>
+          <a:p>
+            <a:pPr algn="ctr"/>
+            <a:r>
+              <a:rPr lang="en-US" dirty="0" smtClean="0"/>
+              <a:t>1</a:t>
+            </a:r>
+            <a:r>
+              <a:rPr lang="en-US" baseline="30000" dirty="0" smtClean="0"/>
+              <a:t>st</a:t>
+            </a:r>
+            <a:r>
+              <a:rPr lang="en-US" dirty="0" smtClean="0"/>
+              <a:t> function description</a:t>
+            </a:r>
+            <a:endParaRPr lang="en-US" dirty="0"/>
+          </a:p>
+        </p:txBody>
+      </p:sp>
+      <p:sp>
+        <p:nvSpPr>
+          <p:cNvPr id="6" name="TextBox 5"/>
+          <p:cNvSpPr txBox="1"/>
+          <p:nvPr/>
+        </p:nvSpPr>
+        <p:spPr>
+          <a:xfrm>
+            <a:off x="4387687" y="675048"/>
+            <a:ext cx="2667000" cy="369332"/>
+          </a:xfrm>
+          <a:prstGeom prst="rect">
+            <a:avLst/>
+          </a:prstGeom>
+          <a:solidFill>
+            <a:schemeClr val="accent1"/>
+          </a:solidFill>
+        </p:spPr>
+        <p:txBody>
+          <a:bodyPr wrap="square" rtlCol="0">
+            <a:spAutoFit/>
+          </a:bodyPr>
+          <a:lstStyle/>
+          <a:p>
+            <a:pPr algn="ctr"/>
+            <a:r>
+              <a:rPr lang="en-US" dirty="0" smtClean="0"/>
+              <a:t>2</a:t>
+            </a:r>
+            <a:r>
+              <a:rPr lang="en-US" baseline="30000" dirty="0" smtClean="0"/>
+              <a:t>nd</a:t>
+            </a:r>
+            <a:r>
+              <a:rPr lang="en-US" dirty="0" smtClean="0"/>
+              <a:t> function description</a:t>
+            </a:r>
+            <a:endParaRPr lang="en-US" dirty="0"/>
+          </a:p>
+        </p:txBody>
+      </p:sp>
+      <p:cxnSp>
+        <p:nvCxnSpPr>
+          <p:cNvPr id="4" name="Straight Arrow Connector 3"/>
+          <p:cNvCxnSpPr/>
+          <p:nvPr/>
+        </p:nvCxnSpPr>
+        <p:spPr>
+          <a:xfrm>
+            <a:off x="3200400" y="1124367"/>
+            <a:ext cx="838200" cy="424934"/>
+          </a:xfrm>
+          <a:prstGeom prst="straightConnector1">
+            <a:avLst/>
+          </a:prstGeom>
+          <a:ln>
+            <a:solidFill>
+              <a:schemeClr val="tx1"/>
+            </a:solidFill>
+            <a:tailEnd type="triangle"/>
+          </a:ln>
+        </p:spPr>
+        <p:style>
+          <a:lnRef idx="1">
+            <a:schemeClr val="accent1"/>
+          </a:lnRef>
+          <a:fillRef idx="0">
+            <a:schemeClr val="accent1"/>
+          </a:fillRef>
+          <a:effectRef idx="0">
+            <a:schemeClr val="accent1"/>
+          </a:effectRef>
+          <a:fontRef idx="minor">
+            <a:schemeClr val="tx1"/>
+          </a:fontRef>
+        </p:style>
+      </p:cxnSp>
+      <p:cxnSp>
+        <p:nvCxnSpPr>
+          <p:cNvPr id="9" name="Straight Arrow Connector 8"/>
+          <p:cNvCxnSpPr/>
+          <p:nvPr/>
+        </p:nvCxnSpPr>
+        <p:spPr>
+          <a:xfrm flipH="1">
+            <a:off x="4648200" y="1206258"/>
+            <a:ext cx="762000" cy="317742"/>
+          </a:xfrm>
+          <a:prstGeom prst="straightConnector1">
+            <a:avLst/>
+          </a:prstGeom>
+          <a:ln>
+            <a:solidFill>
+              <a:schemeClr val="tx1"/>
+            </a:solidFill>
+            <a:tailEnd type="triangle"/>
+          </a:ln>
+        </p:spPr>
+        <p:style>
+          <a:lnRef idx="1">
+            <a:schemeClr val="accent1"/>
+          </a:lnRef>
+          <a:fillRef idx="0">
+            <a:schemeClr val="accent1"/>
+          </a:fillRef>
+          <a:effectRef idx="0">
+            <a:schemeClr val="accent1"/>
+          </a:effectRef>
+          <a:fontRef idx="minor">
+            <a:schemeClr val="tx1"/>
+          </a:fontRef>
+        </p:style>
+      </p:cxnSp>
+      <p:sp>
+        <p:nvSpPr>
+          <p:cNvPr id="10" name="TextBox 9"/>
+          <p:cNvSpPr txBox="1"/>
+          <p:nvPr/>
+        </p:nvSpPr>
+        <p:spPr>
+          <a:xfrm>
+            <a:off x="2443880" y="1647285"/>
+            <a:ext cx="3277307" cy="369332"/>
+          </a:xfrm>
+          <a:prstGeom prst="rect">
+            <a:avLst/>
+          </a:prstGeom>
+          <a:solidFill>
+            <a:srgbClr val="00B050"/>
+          </a:solidFill>
+        </p:spPr>
+        <p:txBody>
+          <a:bodyPr wrap="none" rtlCol="0">
+            <a:spAutoFit/>
+          </a:bodyPr>
+          <a:lstStyle/>
+          <a:p>
+            <a:r>
+              <a:rPr lang="en-US" dirty="0" smtClean="0"/>
+              <a:t>Trained ML model + dictionary</a:t>
+            </a:r>
+            <a:endParaRPr lang="en-US" dirty="0"/>
+          </a:p>
+        </p:txBody>
+      </p:sp>
+      <p:cxnSp>
+        <p:nvCxnSpPr>
+          <p:cNvPr id="13" name="Straight Arrow Connector 12"/>
+          <p:cNvCxnSpPr/>
+          <p:nvPr/>
+        </p:nvCxnSpPr>
+        <p:spPr>
+          <a:xfrm flipH="1">
+            <a:off x="3165531" y="2111711"/>
+            <a:ext cx="869644" cy="428190"/>
+          </a:xfrm>
+          <a:prstGeom prst="straightConnector1">
+            <a:avLst/>
+          </a:prstGeom>
+          <a:ln>
+            <a:solidFill>
+              <a:schemeClr val="tx1"/>
+            </a:solidFill>
+            <a:tailEnd type="triangle"/>
+          </a:ln>
+        </p:spPr>
+        <p:style>
+          <a:lnRef idx="1">
+            <a:schemeClr val="accent1"/>
+          </a:lnRef>
+          <a:fillRef idx="0">
+            <a:schemeClr val="accent1"/>
+          </a:fillRef>
+          <a:effectRef idx="0">
+            <a:schemeClr val="accent1"/>
+          </a:effectRef>
+          <a:fontRef idx="minor">
+            <a:schemeClr val="tx1"/>
+          </a:fontRef>
+        </p:style>
+      </p:cxnSp>
+      <p:cxnSp>
+        <p:nvCxnSpPr>
+          <p:cNvPr id="15" name="Straight Arrow Connector 14"/>
+          <p:cNvCxnSpPr/>
+          <p:nvPr/>
+        </p:nvCxnSpPr>
+        <p:spPr>
+          <a:xfrm>
+            <a:off x="4724400" y="2111711"/>
+            <a:ext cx="838200" cy="424934"/>
+          </a:xfrm>
+          <a:prstGeom prst="straightConnector1">
+            <a:avLst/>
+          </a:prstGeom>
+          <a:ln>
+            <a:solidFill>
+              <a:schemeClr val="tx1"/>
+            </a:solidFill>
+            <a:tailEnd type="triangle"/>
+          </a:ln>
+        </p:spPr>
+        <p:style>
+          <a:lnRef idx="1">
+            <a:schemeClr val="accent1"/>
+          </a:lnRef>
+          <a:fillRef idx="0">
+            <a:schemeClr val="accent1"/>
+          </a:fillRef>
+          <a:effectRef idx="0">
+            <a:schemeClr val="accent1"/>
+          </a:effectRef>
+          <a:fontRef idx="minor">
+            <a:schemeClr val="tx1"/>
+          </a:fontRef>
+        </p:style>
+      </p:cxnSp>
+      <p:sp>
+        <p:nvSpPr>
+          <p:cNvPr id="18" name="TextBox 17"/>
+          <p:cNvSpPr txBox="1"/>
+          <p:nvPr/>
+        </p:nvSpPr>
+        <p:spPr>
+          <a:xfrm>
+            <a:off x="1368175" y="2655541"/>
+            <a:ext cx="2667000" cy="646331"/>
+          </a:xfrm>
+          <a:prstGeom prst="rect">
+            <a:avLst/>
+          </a:prstGeom>
+          <a:solidFill>
+            <a:schemeClr val="accent1"/>
+          </a:solidFill>
+        </p:spPr>
+        <p:txBody>
+          <a:bodyPr wrap="square" rtlCol="0">
+            <a:spAutoFit/>
+          </a:bodyPr>
+          <a:lstStyle/>
+          <a:p>
+            <a:pPr algn="ctr"/>
+            <a:r>
+              <a:rPr lang="en-US" dirty="0" smtClean="0"/>
+              <a:t>1</a:t>
+            </a:r>
+            <a:r>
+              <a:rPr lang="en-US" baseline="30000" dirty="0" smtClean="0"/>
+              <a:t>st</a:t>
+            </a:r>
+            <a:r>
+              <a:rPr lang="en-US" dirty="0" smtClean="0"/>
+              <a:t> function description coordinates</a:t>
+            </a:r>
+            <a:endParaRPr lang="en-US" dirty="0"/>
+          </a:p>
+        </p:txBody>
+      </p:sp>
+      <p:sp>
+        <p:nvSpPr>
+          <p:cNvPr id="19" name="TextBox 18"/>
+          <p:cNvSpPr txBox="1"/>
+          <p:nvPr/>
+        </p:nvSpPr>
+        <p:spPr>
+          <a:xfrm>
+            <a:off x="4387687" y="2653216"/>
+            <a:ext cx="2667000" cy="646331"/>
+          </a:xfrm>
+          <a:prstGeom prst="rect">
+            <a:avLst/>
+          </a:prstGeom>
+          <a:solidFill>
+            <a:schemeClr val="accent1"/>
+          </a:solidFill>
+        </p:spPr>
+        <p:txBody>
+          <a:bodyPr wrap="square" rtlCol="0">
+            <a:spAutoFit/>
+          </a:bodyPr>
+          <a:lstStyle/>
+          <a:p>
+            <a:pPr algn="ctr"/>
+            <a:r>
+              <a:rPr lang="en-US" dirty="0" smtClean="0"/>
+              <a:t>2</a:t>
+            </a:r>
+            <a:r>
+              <a:rPr lang="en-US" baseline="30000" dirty="0" smtClean="0"/>
+              <a:t>nd</a:t>
+            </a:r>
+            <a:r>
+              <a:rPr lang="en-US" dirty="0" smtClean="0"/>
+              <a:t> function description coordinates</a:t>
+            </a:r>
+            <a:endParaRPr lang="en-US" dirty="0"/>
+          </a:p>
+        </p:txBody>
+      </p:sp>
+      <p:cxnSp>
+        <p:nvCxnSpPr>
+          <p:cNvPr id="20" name="Straight Arrow Connector 19"/>
+          <p:cNvCxnSpPr/>
+          <p:nvPr/>
+        </p:nvCxnSpPr>
+        <p:spPr>
+          <a:xfrm>
+            <a:off x="3165531" y="3505200"/>
+            <a:ext cx="838200" cy="424934"/>
+          </a:xfrm>
+          <a:prstGeom prst="straightConnector1">
+            <a:avLst/>
+          </a:prstGeom>
+          <a:ln>
+            <a:solidFill>
+              <a:schemeClr val="tx1"/>
+            </a:solidFill>
+            <a:tailEnd type="triangle"/>
+          </a:ln>
+        </p:spPr>
+        <p:style>
+          <a:lnRef idx="1">
+            <a:schemeClr val="accent1"/>
+          </a:lnRef>
+          <a:fillRef idx="0">
+            <a:schemeClr val="accent1"/>
+          </a:fillRef>
+          <a:effectRef idx="0">
+            <a:schemeClr val="accent1"/>
+          </a:effectRef>
+          <a:fontRef idx="minor">
+            <a:schemeClr val="tx1"/>
+          </a:fontRef>
+        </p:style>
+      </p:cxnSp>
+      <p:cxnSp>
+        <p:nvCxnSpPr>
+          <p:cNvPr id="21" name="Straight Arrow Connector 20"/>
+          <p:cNvCxnSpPr/>
+          <p:nvPr/>
+        </p:nvCxnSpPr>
+        <p:spPr>
+          <a:xfrm flipH="1">
+            <a:off x="4648200" y="3538285"/>
+            <a:ext cx="557179" cy="371338"/>
+          </a:xfrm>
+          <a:prstGeom prst="straightConnector1">
+            <a:avLst/>
+          </a:prstGeom>
+          <a:ln>
+            <a:solidFill>
+              <a:schemeClr val="tx1"/>
+            </a:solidFill>
+            <a:tailEnd type="triangle"/>
+          </a:ln>
+        </p:spPr>
+        <p:style>
+          <a:lnRef idx="1">
+            <a:schemeClr val="accent1"/>
+          </a:lnRef>
+          <a:fillRef idx="0">
+            <a:schemeClr val="accent1"/>
+          </a:fillRef>
+          <a:effectRef idx="0">
+            <a:schemeClr val="accent1"/>
+          </a:effectRef>
+          <a:fontRef idx="minor">
+            <a:schemeClr val="tx1"/>
+          </a:fontRef>
+        </p:style>
+      </p:cxnSp>
+      <p:sp>
+        <p:nvSpPr>
+          <p:cNvPr id="22" name="TextBox 21"/>
+          <p:cNvSpPr txBox="1"/>
+          <p:nvPr/>
+        </p:nvSpPr>
+        <p:spPr>
+          <a:xfrm>
+            <a:off x="3146501" y="4004717"/>
+            <a:ext cx="2403222" cy="369332"/>
+          </a:xfrm>
+          <a:prstGeom prst="rect">
+            <a:avLst/>
+          </a:prstGeom>
+          <a:solidFill>
+            <a:srgbClr val="FFC000"/>
+          </a:solidFill>
+        </p:spPr>
+        <p:txBody>
+          <a:bodyPr wrap="none" rtlCol="0">
+            <a:spAutoFit/>
+          </a:bodyPr>
+          <a:lstStyle/>
+          <a:p>
+            <a:pPr algn="ctr"/>
+            <a:r>
+              <a:rPr lang="en-US" dirty="0" smtClean="0"/>
+              <a:t>Out: Cosine Similarity</a:t>
+            </a:r>
+            <a:endParaRPr lang="en-US" dirty="0"/>
+          </a:p>
+        </p:txBody>
+      </p:sp>
+      <p:cxnSp>
+        <p:nvCxnSpPr>
+          <p:cNvPr id="24" name="Straight Arrow Connector 23"/>
+          <p:cNvCxnSpPr/>
+          <p:nvPr/>
+        </p:nvCxnSpPr>
+        <p:spPr>
+          <a:xfrm flipH="1">
+            <a:off x="4348112" y="4482023"/>
+            <a:ext cx="1" cy="547177"/>
+          </a:xfrm>
+          <a:prstGeom prst="straightConnector1">
+            <a:avLst/>
+          </a:prstGeom>
+          <a:ln>
+            <a:solidFill>
+              <a:schemeClr val="tx1"/>
+            </a:solidFill>
+            <a:tailEnd type="triangle"/>
+          </a:ln>
+        </p:spPr>
+        <p:style>
+          <a:lnRef idx="1">
+            <a:schemeClr val="accent1"/>
+          </a:lnRef>
+          <a:fillRef idx="0">
+            <a:schemeClr val="accent1"/>
+          </a:fillRef>
+          <a:effectRef idx="0">
+            <a:schemeClr val="accent1"/>
+          </a:effectRef>
+          <a:fontRef idx="minor">
+            <a:schemeClr val="tx1"/>
+          </a:fontRef>
+        </p:style>
+      </p:cxnSp>
+      <p:sp>
+        <p:nvSpPr>
+          <p:cNvPr id="26" name="TextBox 25"/>
+          <p:cNvSpPr txBox="1"/>
+          <p:nvPr/>
+        </p:nvSpPr>
+        <p:spPr>
+          <a:xfrm>
+            <a:off x="3006507" y="5076989"/>
+            <a:ext cx="2762359" cy="646331"/>
+          </a:xfrm>
+          <a:prstGeom prst="rect">
+            <a:avLst/>
+          </a:prstGeom>
+          <a:solidFill>
+            <a:srgbClr val="FFC000"/>
+          </a:solidFill>
+        </p:spPr>
+        <p:txBody>
+          <a:bodyPr wrap="none" rtlCol="0">
+            <a:spAutoFit/>
+          </a:bodyPr>
+          <a:lstStyle/>
+          <a:p>
+            <a:pPr algn="ctr"/>
+            <a:r>
+              <a:rPr lang="en-US" dirty="0" smtClean="0"/>
+              <a:t>Select most closest</a:t>
+            </a:r>
+            <a:br>
+              <a:rPr lang="en-US" dirty="0" smtClean="0"/>
+            </a:br>
+            <a:r>
+              <a:rPr lang="en-US" dirty="0" smtClean="0"/>
+              <a:t>function for API migration</a:t>
+            </a:r>
+            <a:endParaRPr lang="en-US" dirty="0"/>
+          </a:p>
+        </p:txBody>
+      </p:sp>
+      <p:sp>
+        <p:nvSpPr>
+          <p:cNvPr id="23" name="TextBox 22"/>
+          <p:cNvSpPr txBox="1"/>
+          <p:nvPr/>
+        </p:nvSpPr>
+        <p:spPr>
+          <a:xfrm>
+            <a:off x="152400" y="669024"/>
+            <a:ext cx="761747" cy="369332"/>
           </a:xfrm>
           <a:prstGeom prst="rect">
             <a:avLst/>
@@ -13181,146 +14223,16 @@
           <a:noFill/>
         </p:spPr>
         <p:txBody>
-          <a:bodyPr wrap="square" rtlCol="0">
+          <a:bodyPr wrap="none" rtlCol="0">
             <a:spAutoFit/>
           </a:bodyPr>
           <a:lstStyle/>
           <a:p>
             <a:r>
-              <a:rPr lang="en-US" dirty="0"/>
-              <a:t>double </a:t>
-            </a:r>
-            <a:r>
-              <a:rPr lang="en-US" dirty="0" err="1"/>
-              <a:t>SimilarDegree</a:t>
-            </a:r>
-            <a:r>
-              <a:rPr lang="en-US" dirty="0"/>
-              <a:t> </a:t>
-            </a:r>
-            <a:r>
               <a:rPr lang="en-US" dirty="0" smtClean="0"/>
-              <a:t>=</a:t>
-            </a:r>
-          </a:p>
-          <a:p>
-            <a:endParaRPr lang="en-US" dirty="0" smtClean="0"/>
-          </a:p>
-          <a:p>
-            <a:r>
-              <a:rPr lang="en-US" dirty="0"/>
-              <a:t> </a:t>
-            </a:r>
-            <a:r>
-              <a:rPr lang="en-US" dirty="0" smtClean="0"/>
-              <a:t>             </a:t>
-            </a:r>
-            <a:r>
-              <a:rPr lang="en-US" dirty="0" err="1" smtClean="0"/>
-              <a:t>nlpWebService.getCosineSimilarity</a:t>
-            </a:r>
-            <a:r>
-              <a:rPr lang="en-US" dirty="0" smtClean="0"/>
-              <a:t>(</a:t>
-            </a:r>
-            <a:r>
-              <a:rPr lang="en-US" dirty="0" err="1" smtClean="0">
-                <a:solidFill>
-                  <a:srgbClr val="00B050"/>
-                </a:solidFill>
-              </a:rPr>
-              <a:t>methodFromDocs</a:t>
-            </a:r>
-            <a:r>
-              <a:rPr lang="en-US" dirty="0" err="1" smtClean="0"/>
-              <a:t>.description</a:t>
-            </a:r>
-            <a:r>
-              <a:rPr lang="en-US" dirty="0"/>
-              <a:t>,</a:t>
-            </a:r>
-          </a:p>
-          <a:p>
-            <a:r>
-              <a:rPr lang="en-US" dirty="0"/>
-              <a:t>				</a:t>
-            </a:r>
-            <a:r>
-              <a:rPr lang="en-US" dirty="0" smtClean="0"/>
-              <a:t>              </a:t>
-            </a:r>
-            <a:r>
-              <a:rPr lang="en-US" dirty="0" err="1" smtClean="0">
-                <a:solidFill>
-                  <a:srgbClr val="0070C0"/>
-                </a:solidFill>
-              </a:rPr>
-              <a:t>methodToDocs</a:t>
-            </a:r>
-            <a:r>
-              <a:rPr lang="en-US" dirty="0" err="1" smtClean="0"/>
-              <a:t>.description</a:t>
-            </a:r>
-            <a:r>
-              <a:rPr lang="en-US" dirty="0" smtClean="0"/>
-              <a:t>) * 100;</a:t>
-            </a:r>
-          </a:p>
-          <a:p>
+              <a:t>Input:</a:t>
+            </a:r>
             <a:endParaRPr lang="en-US" dirty="0"/>
-          </a:p>
-          <a:p>
-            <a:endParaRPr lang="en-US" dirty="0" smtClean="0"/>
-          </a:p>
-          <a:p>
-            <a:r>
-              <a:rPr lang="en-US" dirty="0" smtClean="0"/>
-              <a:t>If </a:t>
-            </a:r>
-            <a:r>
-              <a:rPr lang="en-US" dirty="0"/>
-              <a:t>we have one of the function in another mapping </a:t>
-            </a:r>
-            <a:r>
-              <a:rPr lang="en-US" dirty="0" smtClean="0"/>
-              <a:t>and </a:t>
-            </a:r>
-            <a:r>
-              <a:rPr lang="en-US" dirty="0"/>
-              <a:t>if found with </a:t>
-            </a:r>
-            <a:r>
-              <a:rPr lang="en-US" dirty="0" smtClean="0"/>
-              <a:t>high similar </a:t>
-            </a:r>
-            <a:r>
-              <a:rPr lang="en-US" dirty="0"/>
-              <a:t>we will ignore new mapping </a:t>
-            </a:r>
-            <a:r>
-              <a:rPr lang="en-US" dirty="0" smtClean="0"/>
-              <a:t>but </a:t>
-            </a:r>
-            <a:r>
-              <a:rPr lang="en-US" dirty="0"/>
-              <a:t>if found with lower similar we </a:t>
-            </a:r>
-            <a:r>
-              <a:rPr lang="en-US" dirty="0" smtClean="0"/>
-              <a:t>will update </a:t>
-            </a:r>
-            <a:r>
-              <a:rPr lang="en-US" dirty="0"/>
-              <a:t>new mapping with </a:t>
-            </a:r>
-            <a:r>
-              <a:rPr lang="en-US" dirty="0" smtClean="0"/>
-              <a:t>existing </a:t>
-            </a:r>
-            <a:r>
-              <a:rPr lang="en-US" dirty="0"/>
-              <a:t>one</a:t>
-            </a:r>
           </a:p>
         </p:txBody>
       </p:sp>
